--- a/iot_presentation.pptx
+++ b/iot_presentation.pptx
@@ -1843,8 +1843,8 @@
         </p:nvSpPr>
         <p:spPr>
           <a:xfrm>
-            <a:off x="421957" y="903603"/>
-            <a:ext cx="3855720" cy="1644650"/>
+            <a:off x="309194" y="668171"/>
+            <a:ext cx="3877310" cy="2202815"/>
           </a:xfrm>
           <a:prstGeom prst="rect">
             <a:avLst/>
@@ -2575,17 +2575,15 @@
       <p:sp>
         <p:nvSpPr>
           <p:cNvPr id="3" name="object 3" descr=""/>
-          <p:cNvSpPr txBox="1"/>
-          <p:nvPr/>
+          <p:cNvSpPr txBox="1">
+            <a:spLocks noGrp="1"/>
+          </p:cNvSpPr>
+          <p:nvPr>
+            <p:ph type="body" idx="1"/>
+          </p:nvPr>
         </p:nvSpPr>
         <p:spPr>
-          <a:xfrm>
-            <a:off x="309194" y="668171"/>
-            <a:ext cx="3877310" cy="2202815"/>
-          </a:xfrm>
-          <a:prstGeom prst="rect">
-            <a:avLst/>
-          </a:prstGeom>
+          <a:prstGeom prst="rect"/>
         </p:spPr>
         <p:txBody>
           <a:bodyPr wrap="square" lIns="0" tIns="6985" rIns="0" bIns="0" rtlCol="0" vert="horz">
@@ -2602,240 +2600,149 @@
               </a:spcBef>
             </a:pPr>
             <a:r>
-              <a:rPr dirty="0" sz="1100" spc="-25" b="1">
+              <a:rPr dirty="0" spc="-25" b="1">
                 <a:latin typeface="Arial"/>
                 <a:cs typeface="Arial"/>
               </a:rPr>
               <a:t>Problem</a:t>
             </a:r>
             <a:r>
-              <a:rPr dirty="0" sz="1100" spc="5" b="1">
-                <a:latin typeface="Arial"/>
-                <a:cs typeface="Arial"/>
-              </a:rPr>
-              <a:t> </a:t>
-            </a:r>
-            <a:r>
-              <a:rPr dirty="0" sz="1100" b="1">
+              <a:rPr dirty="0" spc="5" b="1">
+                <a:latin typeface="Arial"/>
+                <a:cs typeface="Arial"/>
+              </a:rPr>
+              <a:t> </a:t>
+            </a:r>
+            <a:r>
+              <a:rPr dirty="0" b="1">
                 <a:latin typeface="Arial"/>
                 <a:cs typeface="Arial"/>
               </a:rPr>
               <a:t>Statement:</a:t>
             </a:r>
             <a:r>
-              <a:rPr dirty="0" sz="1100" spc="70" b="1">
-                <a:latin typeface="Arial"/>
-                <a:cs typeface="Arial"/>
-              </a:rPr>
-              <a:t> </a:t>
-            </a:r>
-            <a:r>
-              <a:rPr dirty="0" sz="1100" spc="-70">
-                <a:latin typeface="Arial MT"/>
-                <a:cs typeface="Arial MT"/>
-              </a:rPr>
+              <a:rPr dirty="0" spc="70" b="1">
+                <a:latin typeface="Arial"/>
+                <a:cs typeface="Arial"/>
+              </a:rPr>
+              <a:t> </a:t>
+            </a:r>
+            <a:r>
+              <a:rPr dirty="0" spc="-70"/>
               <a:t>Classroom</a:t>
             </a:r>
             <a:r>
-              <a:rPr dirty="0" sz="1100" spc="-5">
-                <a:latin typeface="Arial MT"/>
-                <a:cs typeface="Arial MT"/>
-              </a:rPr>
-              <a:t> </a:t>
-            </a:r>
-            <a:r>
-              <a:rPr dirty="0" sz="1100" spc="-10">
-                <a:latin typeface="Arial MT"/>
-                <a:cs typeface="Arial MT"/>
-              </a:rPr>
+              <a:rPr dirty="0" spc="-5"/>
+              <a:t> </a:t>
+            </a:r>
+            <a:r>
+              <a:rPr dirty="0" spc="-10"/>
               <a:t>lights</a:t>
             </a:r>
             <a:r>
-              <a:rPr dirty="0" sz="1100" spc="-15">
-                <a:latin typeface="Arial MT"/>
-                <a:cs typeface="Arial MT"/>
-              </a:rPr>
-              <a:t> </a:t>
-            </a:r>
-            <a:r>
-              <a:rPr dirty="0" sz="1100" spc="-60">
-                <a:latin typeface="Arial MT"/>
-                <a:cs typeface="Arial MT"/>
-              </a:rPr>
+              <a:rPr dirty="0" spc="-15"/>
+              <a:t> </a:t>
+            </a:r>
+            <a:r>
+              <a:rPr dirty="0" spc="-60"/>
               <a:t>are</a:t>
             </a:r>
             <a:r>
-              <a:rPr dirty="0" sz="1100" spc="-15">
-                <a:latin typeface="Arial MT"/>
-                <a:cs typeface="Arial MT"/>
-              </a:rPr>
-              <a:t> </a:t>
-            </a:r>
-            <a:r>
-              <a:rPr dirty="0" sz="1100">
-                <a:latin typeface="Arial MT"/>
-                <a:cs typeface="Arial MT"/>
-              </a:rPr>
+              <a:rPr dirty="0" spc="-15"/>
+              <a:t> </a:t>
+            </a:r>
+            <a:r>
+              <a:rPr dirty="0"/>
               <a:t>often</a:t>
             </a:r>
             <a:r>
-              <a:rPr dirty="0" sz="1100" spc="-15">
-                <a:latin typeface="Arial MT"/>
-                <a:cs typeface="Arial MT"/>
-              </a:rPr>
-              <a:t> </a:t>
-            </a:r>
-            <a:r>
-              <a:rPr dirty="0" sz="1100">
-                <a:latin typeface="Arial MT"/>
-                <a:cs typeface="Arial MT"/>
-              </a:rPr>
+              <a:rPr dirty="0" spc="-15"/>
+              <a:t> </a:t>
+            </a:r>
+            <a:r>
+              <a:rPr dirty="0"/>
               <a:t>left</a:t>
             </a:r>
             <a:r>
-              <a:rPr dirty="0" sz="1100" spc="-15">
-                <a:latin typeface="Arial MT"/>
-                <a:cs typeface="Arial MT"/>
-              </a:rPr>
-              <a:t> </a:t>
-            </a:r>
-            <a:r>
-              <a:rPr dirty="0" sz="1100">
-                <a:latin typeface="Arial MT"/>
-                <a:cs typeface="Arial MT"/>
-              </a:rPr>
+              <a:rPr dirty="0" spc="-15"/>
+              <a:t> </a:t>
+            </a:r>
+            <a:r>
+              <a:rPr dirty="0"/>
               <a:t>on</a:t>
             </a:r>
             <a:r>
-              <a:rPr dirty="0" sz="1100" spc="-20">
-                <a:latin typeface="Arial MT"/>
-                <a:cs typeface="Arial MT"/>
-              </a:rPr>
+              <a:rPr dirty="0" spc="-20"/>
               <a:t> even </a:t>
             </a:r>
             <a:r>
-              <a:rPr dirty="0" sz="1100" spc="-60">
-                <a:latin typeface="Arial MT"/>
-                <a:cs typeface="Arial MT"/>
-              </a:rPr>
+              <a:rPr dirty="0" spc="-60"/>
               <a:t>when</a:t>
             </a:r>
             <a:r>
-              <a:rPr dirty="0" sz="1100" spc="-15">
-                <a:latin typeface="Arial MT"/>
-                <a:cs typeface="Arial MT"/>
-              </a:rPr>
-              <a:t> </a:t>
-            </a:r>
-            <a:r>
-              <a:rPr dirty="0" sz="1100">
-                <a:latin typeface="Arial MT"/>
-                <a:cs typeface="Arial MT"/>
-              </a:rPr>
+              <a:rPr dirty="0" spc="-15"/>
+              <a:t> </a:t>
+            </a:r>
+            <a:r>
+              <a:rPr dirty="0"/>
               <a:t>the</a:t>
             </a:r>
             <a:r>
-              <a:rPr dirty="0" sz="1100" spc="-20">
-                <a:latin typeface="Arial MT"/>
-                <a:cs typeface="Arial MT"/>
-              </a:rPr>
-              <a:t> </a:t>
-            </a:r>
-            <a:r>
-              <a:rPr dirty="0" sz="1100" spc="-10">
-                <a:latin typeface="Arial MT"/>
-                <a:cs typeface="Arial MT"/>
-              </a:rPr>
+              <a:rPr dirty="0" spc="-20"/>
+              <a:t> </a:t>
+            </a:r>
+            <a:r>
+              <a:rPr dirty="0" spc="-10"/>
               <a:t>room is</a:t>
             </a:r>
             <a:r>
-              <a:rPr dirty="0" sz="1100" spc="-5">
-                <a:latin typeface="Arial MT"/>
-                <a:cs typeface="Arial MT"/>
-              </a:rPr>
-              <a:t> </a:t>
-            </a:r>
-            <a:r>
-              <a:rPr dirty="0" sz="1100" spc="-40">
-                <a:latin typeface="Arial MT"/>
-                <a:cs typeface="Arial MT"/>
-              </a:rPr>
+              <a:rPr dirty="0" spc="-5"/>
+              <a:t> </a:t>
+            </a:r>
+            <a:r>
+              <a:rPr dirty="0" spc="-40"/>
               <a:t>empty,</a:t>
             </a:r>
             <a:r>
-              <a:rPr dirty="0" sz="1100" spc="-10">
-                <a:latin typeface="Arial MT"/>
-                <a:cs typeface="Arial MT"/>
-              </a:rPr>
-              <a:t> </a:t>
-            </a:r>
-            <a:r>
-              <a:rPr dirty="0" sz="1100" spc="-45">
-                <a:latin typeface="Arial MT"/>
-                <a:cs typeface="Arial MT"/>
-              </a:rPr>
+              <a:rPr dirty="0" spc="-10"/>
+              <a:t> </a:t>
+            </a:r>
+            <a:r>
+              <a:rPr dirty="0" spc="-45"/>
               <a:t>leading</a:t>
             </a:r>
             <a:r>
-              <a:rPr dirty="0" sz="1100" spc="-5">
-                <a:latin typeface="Arial MT"/>
-                <a:cs typeface="Arial MT"/>
-              </a:rPr>
-              <a:t> </a:t>
-            </a:r>
-            <a:r>
-              <a:rPr dirty="0" sz="1100">
-                <a:latin typeface="Arial MT"/>
-                <a:cs typeface="Arial MT"/>
-              </a:rPr>
+              <a:rPr dirty="0" spc="-5"/>
+              <a:t> </a:t>
+            </a:r>
+            <a:r>
+              <a:rPr dirty="0"/>
               <a:t>to</a:t>
             </a:r>
             <a:r>
-              <a:rPr dirty="0" sz="1100" spc="-10">
-                <a:latin typeface="Arial MT"/>
-                <a:cs typeface="Arial MT"/>
-              </a:rPr>
-              <a:t> </a:t>
-            </a:r>
-            <a:r>
-              <a:rPr dirty="0" sz="1100" spc="-80">
-                <a:latin typeface="Arial MT"/>
-                <a:cs typeface="Arial MT"/>
-              </a:rPr>
+              <a:rPr dirty="0" spc="-10"/>
+              <a:t> </a:t>
+            </a:r>
+            <a:r>
+              <a:rPr dirty="0" spc="-80"/>
               <a:t>unnecessary</a:t>
             </a:r>
             <a:r>
-              <a:rPr dirty="0" sz="1100" spc="5">
-                <a:latin typeface="Arial MT"/>
-                <a:cs typeface="Arial MT"/>
-              </a:rPr>
-              <a:t> </a:t>
-            </a:r>
-            <a:r>
-              <a:rPr dirty="0" sz="1100" spc="-70">
-                <a:latin typeface="Arial MT"/>
-                <a:cs typeface="Arial MT"/>
-              </a:rPr>
+              <a:rPr dirty="0" spc="5"/>
+              <a:t> </a:t>
+            </a:r>
+            <a:r>
+              <a:rPr dirty="0" spc="-70"/>
               <a:t>energy</a:t>
             </a:r>
             <a:r>
-              <a:rPr dirty="0" sz="1100" spc="-5">
-                <a:latin typeface="Arial MT"/>
-                <a:cs typeface="Arial MT"/>
-              </a:rPr>
-              <a:t> </a:t>
-            </a:r>
-            <a:r>
-              <a:rPr dirty="0" sz="1100" spc="-40">
-                <a:latin typeface="Arial MT"/>
-                <a:cs typeface="Arial MT"/>
-              </a:rPr>
+              <a:rPr dirty="0" spc="-5"/>
+              <a:t> </a:t>
+            </a:r>
+            <a:r>
+              <a:rPr dirty="0" spc="-40"/>
               <a:t>wastage.</a:t>
             </a:r>
-            <a:endParaRPr sz="1100">
-              <a:latin typeface="Arial MT"/>
-              <a:cs typeface="Arial MT"/>
-            </a:endParaRPr>
           </a:p>
           <a:p>
             <a:pPr marL="50800">
@@ -2847,16 +2754,12 @@
               </a:spcBef>
             </a:pPr>
             <a:r>
-              <a:rPr dirty="0" sz="1100" spc="-10" b="1">
+              <a:rPr dirty="0" spc="-10" b="1">
                 <a:latin typeface="Arial"/>
                 <a:cs typeface="Arial"/>
               </a:rPr>
               <a:t>Objectives:</a:t>
             </a:r>
-            <a:endParaRPr sz="1100">
-              <a:latin typeface="Arial"/>
-              <a:cs typeface="Arial"/>
-            </a:endParaRPr>
           </a:p>
           <a:p>
             <a:pPr marL="327660" marR="88265" indent="-177165">
@@ -2876,31 +2779,19 @@
               </a:tabLst>
             </a:pPr>
             <a:r>
-              <a:rPr dirty="0" sz="1100" spc="-55">
-                <a:latin typeface="Arial MT"/>
-                <a:cs typeface="Arial MT"/>
-              </a:rPr>
+              <a:rPr dirty="0" sz="1100" spc="-55"/>
               <a:t>Develop</a:t>
             </a:r>
             <a:r>
-              <a:rPr dirty="0" sz="1100" spc="10">
-                <a:latin typeface="Arial MT"/>
-                <a:cs typeface="Arial MT"/>
-              </a:rPr>
-              <a:t> </a:t>
-            </a:r>
-            <a:r>
-              <a:rPr dirty="0" sz="1100">
-                <a:latin typeface="Arial MT"/>
-                <a:cs typeface="Arial MT"/>
-              </a:rPr>
+              <a:rPr dirty="0" sz="1100" spc="10"/>
+              <a:t> </a:t>
+            </a:r>
+            <a:r>
+              <a:rPr dirty="0" sz="1100"/>
               <a:t>a</a:t>
             </a:r>
             <a:r>
-              <a:rPr dirty="0" sz="1100" spc="15">
-                <a:latin typeface="Arial MT"/>
-                <a:cs typeface="Arial MT"/>
-              </a:rPr>
+              <a:rPr dirty="0" sz="1100" spc="15"/>
               <a:t> </a:t>
             </a:r>
             <a:r>
@@ -2953,50 +2844,32 @@
               <a:t> </a:t>
             </a:r>
             <a:r>
-              <a:rPr dirty="0" sz="1100">
-                <a:latin typeface="Arial MT"/>
-                <a:cs typeface="Arial MT"/>
-              </a:rPr>
+              <a:rPr dirty="0" sz="1100"/>
               <a:t>to</a:t>
             </a:r>
             <a:r>
-              <a:rPr dirty="0" sz="1100" spc="15">
-                <a:latin typeface="Arial MT"/>
-                <a:cs typeface="Arial MT"/>
-              </a:rPr>
-              <a:t> </a:t>
-            </a:r>
-            <a:r>
-              <a:rPr dirty="0" sz="1100" spc="-20">
-                <a:latin typeface="Arial MT"/>
-                <a:cs typeface="Arial MT"/>
-              </a:rPr>
+              <a:rPr dirty="0" sz="1100" spc="15"/>
+              <a:t> </a:t>
+            </a:r>
+            <a:r>
+              <a:rPr dirty="0" sz="1100" spc="-20"/>
               <a:t>automate </a:t>
             </a:r>
             <a:r>
-              <a:rPr dirty="0" sz="1100" spc="-10">
-                <a:latin typeface="Arial MT"/>
-                <a:cs typeface="Arial MT"/>
-              </a:rPr>
+              <a:rPr dirty="0" sz="1100" spc="-10"/>
               <a:t>lighting</a:t>
             </a:r>
             <a:r>
-              <a:rPr dirty="0" sz="1100" spc="-5">
-                <a:latin typeface="Arial MT"/>
-                <a:cs typeface="Arial MT"/>
-              </a:rPr>
-              <a:t> </a:t>
-            </a:r>
-            <a:r>
-              <a:rPr dirty="0" sz="1100" spc="-10">
-                <a:latin typeface="Arial MT"/>
-                <a:cs typeface="Arial MT"/>
-              </a:rPr>
+              <a:rPr dirty="0" sz="1100" spc="-5"/>
+              <a:t> </a:t>
+            </a:r>
+            <a:r>
+              <a:rPr dirty="0" sz="1100" spc="-10"/>
               <a:t>control.</a:t>
             </a:r>
             <a:endParaRPr sz="1100">
-              <a:latin typeface="Arial MT"/>
-              <a:cs typeface="Arial MT"/>
+              <a:latin typeface="Arial"/>
+              <a:cs typeface="Arial"/>
             </a:endParaRPr>
           </a:p>
           <a:p>
@@ -3059,64 +2932,40 @@
               <a:t> </a:t>
             </a:r>
             <a:r>
-              <a:rPr dirty="0" sz="1100" spc="-10">
-                <a:latin typeface="Arial MT"/>
-                <a:cs typeface="Arial MT"/>
-              </a:rPr>
+              <a:rPr dirty="0" sz="1100" spc="-10"/>
               <a:t>by</a:t>
             </a:r>
             <a:r>
-              <a:rPr dirty="0" sz="1100" spc="-15">
-                <a:latin typeface="Arial MT"/>
-                <a:cs typeface="Arial MT"/>
-              </a:rPr>
-              <a:t> </a:t>
-            </a:r>
-            <a:r>
-              <a:rPr dirty="0" sz="1100" spc="-45">
-                <a:latin typeface="Arial MT"/>
-                <a:cs typeface="Arial MT"/>
-              </a:rPr>
+              <a:rPr dirty="0" sz="1100" spc="-15"/>
+              <a:t> </a:t>
+            </a:r>
+            <a:r>
+              <a:rPr dirty="0" sz="1100" spc="-45"/>
               <a:t>reducing</a:t>
             </a:r>
             <a:r>
-              <a:rPr dirty="0" sz="1100" spc="-15">
-                <a:latin typeface="Arial MT"/>
-                <a:cs typeface="Arial MT"/>
-              </a:rPr>
-              <a:t> </a:t>
-            </a:r>
-            <a:r>
-              <a:rPr dirty="0" sz="1100" spc="-80">
-                <a:latin typeface="Arial MT"/>
-                <a:cs typeface="Arial MT"/>
-              </a:rPr>
+              <a:rPr dirty="0" sz="1100" spc="-15"/>
+              <a:t> </a:t>
+            </a:r>
+            <a:r>
+              <a:rPr dirty="0" sz="1100" spc="-80"/>
               <a:t>unnecessary</a:t>
             </a:r>
             <a:r>
-              <a:rPr dirty="0" sz="1100" spc="5">
-                <a:latin typeface="Arial MT"/>
-                <a:cs typeface="Arial MT"/>
-              </a:rPr>
-              <a:t> </a:t>
-            </a:r>
-            <a:r>
-              <a:rPr dirty="0" sz="1100" spc="-35">
-                <a:latin typeface="Arial MT"/>
-                <a:cs typeface="Arial MT"/>
-              </a:rPr>
+              <a:rPr dirty="0" sz="1100" spc="5"/>
+              <a:t> </a:t>
+            </a:r>
+            <a:r>
+              <a:rPr dirty="0" sz="1100" spc="-35"/>
               <a:t>power </a:t>
             </a:r>
             <a:r>
-              <a:rPr dirty="0" sz="1100" spc="-10">
-                <a:latin typeface="Arial MT"/>
-                <a:cs typeface="Arial MT"/>
-              </a:rPr>
+              <a:rPr dirty="0" sz="1100" spc="-10"/>
               <a:t>consumption.</a:t>
             </a:r>
             <a:endParaRPr sz="1100">
-              <a:latin typeface="Arial MT"/>
-              <a:cs typeface="Arial MT"/>
+              <a:latin typeface="Arial"/>
+              <a:cs typeface="Arial"/>
             </a:endParaRPr>
           </a:p>
           <a:p>
@@ -3137,17 +2986,11 @@
               </a:tabLst>
             </a:pPr>
             <a:r>
-              <a:rPr dirty="0" sz="1100" spc="-35">
-                <a:latin typeface="Arial MT"/>
-                <a:cs typeface="Arial MT"/>
-              </a:rPr>
+              <a:rPr dirty="0" sz="1100" spc="-35"/>
               <a:t>Implement</a:t>
             </a:r>
             <a:r>
-              <a:rPr dirty="0" sz="1100" spc="-20">
-                <a:latin typeface="Arial MT"/>
-                <a:cs typeface="Arial MT"/>
-              </a:rPr>
+              <a:rPr dirty="0" sz="1100" spc="-20"/>
               <a:t> </a:t>
             </a:r>
             <a:r>
@@ -3221,22 +3064,16 @@
               <a:t> </a:t>
             </a:r>
             <a:r>
-              <a:rPr dirty="0" sz="1100" spc="-35">
-                <a:latin typeface="Arial MT"/>
-                <a:cs typeface="Arial MT"/>
-              </a:rPr>
+              <a:rPr dirty="0" sz="1100" spc="-35"/>
               <a:t>using </a:t>
             </a:r>
             <a:r>
-              <a:rPr dirty="0" sz="1100" spc="-10">
-                <a:latin typeface="Arial MT"/>
-                <a:cs typeface="Arial MT"/>
-              </a:rPr>
+              <a:rPr dirty="0" sz="1100" spc="-10"/>
               <a:t>ThingSpeak.</a:t>
             </a:r>
             <a:endParaRPr sz="1100">
-              <a:latin typeface="Arial MT"/>
-              <a:cs typeface="Arial MT"/>
+              <a:latin typeface="Arial"/>
+              <a:cs typeface="Arial"/>
             </a:endParaRPr>
           </a:p>
           <a:p>
@@ -3257,52 +3094,31 @@
               </a:tabLst>
             </a:pPr>
             <a:r>
-              <a:rPr dirty="0" sz="1100" spc="-70">
-                <a:latin typeface="Arial MT"/>
-                <a:cs typeface="Arial MT"/>
-              </a:rPr>
+              <a:rPr dirty="0" sz="1100" spc="-70"/>
               <a:t>Ensure</a:t>
             </a:r>
             <a:r>
-              <a:rPr dirty="0" sz="1100" spc="-5">
-                <a:latin typeface="Arial MT"/>
-                <a:cs typeface="Arial MT"/>
-              </a:rPr>
-              <a:t> </a:t>
-            </a:r>
-            <a:r>
-              <a:rPr dirty="0" sz="1100">
-                <a:latin typeface="Arial MT"/>
-                <a:cs typeface="Arial MT"/>
-              </a:rPr>
+              <a:rPr dirty="0" sz="1100" spc="-5"/>
+              <a:t> </a:t>
+            </a:r>
+            <a:r>
+              <a:rPr dirty="0" sz="1100"/>
               <a:t>the </a:t>
             </a:r>
             <a:r>
-              <a:rPr dirty="0" sz="1100" spc="-65">
-                <a:latin typeface="Arial MT"/>
-                <a:cs typeface="Arial MT"/>
-              </a:rPr>
+              <a:rPr dirty="0" sz="1100" spc="-65"/>
               <a:t>system</a:t>
             </a:r>
             <a:r>
-              <a:rPr dirty="0" sz="1100" spc="-5">
-                <a:latin typeface="Arial MT"/>
-                <a:cs typeface="Arial MT"/>
-              </a:rPr>
-              <a:t> </a:t>
-            </a:r>
-            <a:r>
-              <a:rPr dirty="0" sz="1100" spc="-10">
-                <a:latin typeface="Arial MT"/>
-                <a:cs typeface="Arial MT"/>
-              </a:rPr>
+              <a:rPr dirty="0" sz="1100" spc="-5"/>
+              <a:t> </a:t>
+            </a:r>
+            <a:r>
+              <a:rPr dirty="0" sz="1100" spc="-10"/>
               <a:t>is</a:t>
             </a:r>
             <a:r>
-              <a:rPr dirty="0" sz="1100">
-                <a:latin typeface="Arial MT"/>
-                <a:cs typeface="Arial MT"/>
-              </a:rPr>
+              <a:rPr dirty="0" sz="1100"/>
               <a:t> </a:t>
             </a:r>
             <a:r>
@@ -5466,15 +5282,17 @@
       <p:sp>
         <p:nvSpPr>
           <p:cNvPr id="3" name="object 3" descr=""/>
-          <p:cNvSpPr txBox="1">
-            <a:spLocks noGrp="1"/>
-          </p:cNvSpPr>
-          <p:nvPr>
-            <p:ph type="body" idx="1"/>
-          </p:nvPr>
+          <p:cNvSpPr txBox="1"/>
+          <p:nvPr/>
         </p:nvSpPr>
         <p:spPr>
-          <a:prstGeom prst="rect"/>
+          <a:xfrm>
+            <a:off x="309194" y="336104"/>
+            <a:ext cx="3968115" cy="3056890"/>
+          </a:xfrm>
+          <a:prstGeom prst="rect">
+            <a:avLst/>
+          </a:prstGeom>
         </p:spPr>
         <p:txBody>
           <a:bodyPr wrap="square" lIns="0" tIns="6985" rIns="0" bIns="0" rtlCol="0" vert="horz">
@@ -5482,7 +5300,7 @@
           </a:bodyPr>
           <a:lstStyle/>
           <a:p>
-            <a:pPr marL="214629" marR="52069" indent="-177165">
+            <a:pPr marL="327660" marR="52069" indent="-177165">
               <a:lnSpc>
                 <a:spcPct val="102600"/>
               </a:lnSpc>
@@ -5495,7 +5313,7 @@
               <a:buFont typeface="Lucida Sans Unicode"/>
               <a:buChar char="►"/>
               <a:tabLst>
-                <a:tab pos="214629" algn="l"/>
+                <a:tab pos="327660" algn="l"/>
               </a:tabLst>
             </a:pPr>
             <a:r>
@@ -5541,165 +5359,269 @@
               <a:t> </a:t>
             </a:r>
             <a:r>
-              <a:rPr dirty="0" sz="1100"/>
+              <a:rPr dirty="0" sz="1100">
+                <a:latin typeface="Arial MT"/>
+                <a:cs typeface="Arial MT"/>
+              </a:rPr>
               <a:t>The</a:t>
             </a:r>
             <a:r>
-              <a:rPr dirty="0" sz="1100" spc="-15"/>
-              <a:t> </a:t>
-            </a:r>
-            <a:r>
-              <a:rPr dirty="0" sz="1100" spc="-65"/>
+              <a:rPr dirty="0" sz="1100" spc="-15">
+                <a:latin typeface="Arial MT"/>
+                <a:cs typeface="Arial MT"/>
+              </a:rPr>
+              <a:t> </a:t>
+            </a:r>
+            <a:r>
+              <a:rPr dirty="0" sz="1100" spc="-65">
+                <a:latin typeface="Arial MT"/>
+                <a:cs typeface="Arial MT"/>
+              </a:rPr>
               <a:t>system</a:t>
             </a:r>
             <a:r>
-              <a:rPr dirty="0" sz="1100" spc="-10"/>
-              <a:t> </a:t>
-            </a:r>
-            <a:r>
-              <a:rPr dirty="0" sz="1100" spc="-20"/>
+              <a:rPr dirty="0" sz="1100" spc="-10">
+                <a:latin typeface="Arial MT"/>
+                <a:cs typeface="Arial MT"/>
+              </a:rPr>
+              <a:t> </a:t>
+            </a:r>
+            <a:r>
+              <a:rPr dirty="0" sz="1100" spc="-20">
+                <a:latin typeface="Arial MT"/>
+                <a:cs typeface="Arial MT"/>
+              </a:rPr>
               <a:t>efficiently</a:t>
             </a:r>
             <a:r>
-              <a:rPr dirty="0" sz="1100" spc="-10"/>
+              <a:rPr dirty="0" sz="1100" spc="-10">
+                <a:latin typeface="Arial MT"/>
+                <a:cs typeface="Arial MT"/>
+              </a:rPr>
               <a:t> turned </a:t>
             </a:r>
             <a:r>
-              <a:rPr dirty="0" sz="1100"/>
+              <a:rPr dirty="0" sz="1100">
+                <a:latin typeface="Arial MT"/>
+                <a:cs typeface="Arial MT"/>
+              </a:rPr>
               <a:t>the</a:t>
             </a:r>
             <a:r>
-              <a:rPr dirty="0" sz="1100" spc="-20"/>
-              <a:t> </a:t>
-            </a:r>
-            <a:r>
-              <a:rPr dirty="0" sz="1100"/>
+              <a:rPr dirty="0" sz="1100" spc="-20">
+                <a:latin typeface="Arial MT"/>
+                <a:cs typeface="Arial MT"/>
+              </a:rPr>
+              <a:t> </a:t>
+            </a:r>
+            <a:r>
+              <a:rPr dirty="0" sz="1100">
+                <a:latin typeface="Arial MT"/>
+                <a:cs typeface="Arial MT"/>
+              </a:rPr>
               <a:t>light</a:t>
             </a:r>
             <a:r>
-              <a:rPr dirty="0" sz="1100" spc="-20"/>
-              <a:t> </a:t>
-            </a:r>
-            <a:r>
-              <a:rPr dirty="0" sz="1100"/>
+              <a:rPr dirty="0" sz="1100" spc="-20">
+                <a:latin typeface="Arial MT"/>
+                <a:cs typeface="Arial MT"/>
+              </a:rPr>
+              <a:t> </a:t>
+            </a:r>
+            <a:r>
+              <a:rPr dirty="0" sz="1100">
+                <a:latin typeface="Arial MT"/>
+                <a:cs typeface="Arial MT"/>
+              </a:rPr>
               <a:t>ON</a:t>
             </a:r>
             <a:r>
-              <a:rPr dirty="0" sz="1100" spc="-20"/>
-              <a:t> </a:t>
-            </a:r>
-            <a:r>
-              <a:rPr dirty="0" sz="1100" spc="-25"/>
+              <a:rPr dirty="0" sz="1100" spc="-20">
+                <a:latin typeface="Arial MT"/>
+                <a:cs typeface="Arial MT"/>
+              </a:rPr>
+              <a:t> </a:t>
+            </a:r>
+            <a:r>
+              <a:rPr dirty="0" sz="1100" spc="-25">
+                <a:latin typeface="Arial MT"/>
+                <a:cs typeface="Arial MT"/>
+              </a:rPr>
               <a:t>upon</a:t>
             </a:r>
             <a:r>
-              <a:rPr dirty="0" sz="1100" spc="-20"/>
-              <a:t> </a:t>
-            </a:r>
-            <a:r>
-              <a:rPr dirty="0" sz="1100" spc="-10"/>
+              <a:rPr dirty="0" sz="1100" spc="-20">
+                <a:latin typeface="Arial MT"/>
+                <a:cs typeface="Arial MT"/>
+              </a:rPr>
+              <a:t> </a:t>
+            </a:r>
+            <a:r>
+              <a:rPr dirty="0" sz="1100" spc="-10">
+                <a:latin typeface="Arial MT"/>
+                <a:cs typeface="Arial MT"/>
+              </a:rPr>
               <a:t>motion</a:t>
             </a:r>
             <a:r>
-              <a:rPr dirty="0" sz="1100" spc="-20"/>
-              <a:t> </a:t>
-            </a:r>
-            <a:r>
-              <a:rPr dirty="0" sz="1100" spc="-30"/>
+              <a:rPr dirty="0" sz="1100" spc="-20">
+                <a:latin typeface="Arial MT"/>
+                <a:cs typeface="Arial MT"/>
+              </a:rPr>
+              <a:t> </a:t>
+            </a:r>
+            <a:r>
+              <a:rPr dirty="0" sz="1100" spc="-30">
+                <a:latin typeface="Arial MT"/>
+                <a:cs typeface="Arial MT"/>
+              </a:rPr>
               <a:t>detection</a:t>
             </a:r>
             <a:r>
-              <a:rPr dirty="0" sz="1100" spc="-15"/>
-              <a:t> </a:t>
-            </a:r>
-            <a:r>
-              <a:rPr dirty="0" sz="1100" spc="-45"/>
+              <a:rPr dirty="0" sz="1100" spc="-15">
+                <a:latin typeface="Arial MT"/>
+                <a:cs typeface="Arial MT"/>
+              </a:rPr>
+              <a:t> </a:t>
+            </a:r>
+            <a:r>
+              <a:rPr dirty="0" sz="1100" spc="-45">
+                <a:latin typeface="Arial MT"/>
+                <a:cs typeface="Arial MT"/>
+              </a:rPr>
               <a:t>and</a:t>
             </a:r>
             <a:r>
-              <a:rPr dirty="0" sz="1100" spc="-20"/>
-              <a:t> </a:t>
-            </a:r>
-            <a:r>
-              <a:rPr dirty="0" sz="1100" spc="-25"/>
+              <a:rPr dirty="0" sz="1100" spc="-20">
+                <a:latin typeface="Arial MT"/>
+                <a:cs typeface="Arial MT"/>
+              </a:rPr>
+              <a:t> </a:t>
+            </a:r>
+            <a:r>
+              <a:rPr dirty="0" sz="1100" spc="-25">
+                <a:latin typeface="Arial MT"/>
+                <a:cs typeface="Arial MT"/>
+              </a:rPr>
               <a:t>OFF</a:t>
             </a:r>
             <a:r>
-              <a:rPr dirty="0" sz="1100" spc="-20"/>
-              <a:t> </a:t>
-            </a:r>
-            <a:r>
-              <a:rPr dirty="0" sz="1100"/>
+              <a:rPr dirty="0" sz="1100" spc="-20">
+                <a:latin typeface="Arial MT"/>
+                <a:cs typeface="Arial MT"/>
+              </a:rPr>
+              <a:t> </a:t>
+            </a:r>
+            <a:r>
+              <a:rPr dirty="0" sz="1100">
+                <a:latin typeface="Arial MT"/>
+                <a:cs typeface="Arial MT"/>
+              </a:rPr>
               <a:t>after</a:t>
             </a:r>
             <a:r>
-              <a:rPr dirty="0" sz="1100" spc="-20"/>
-              <a:t> </a:t>
-            </a:r>
-            <a:r>
-              <a:rPr dirty="0" sz="1100" spc="-25"/>
-              <a:t>10</a:t>
-            </a:r>
-            <a:r>
-              <a:rPr dirty="0" sz="1100" spc="500"/>
-              <a:t> </a:t>
-            </a:r>
-            <a:r>
-              <a:rPr dirty="0" sz="1100" spc="-95"/>
+              <a:rPr dirty="0" sz="1100" spc="-20">
+                <a:latin typeface="Arial MT"/>
+                <a:cs typeface="Arial MT"/>
+              </a:rPr>
+              <a:t> </a:t>
+            </a:r>
+            <a:r>
+              <a:rPr dirty="0" sz="1100" spc="-25">
+                <a:latin typeface="Arial MT"/>
+                <a:cs typeface="Arial MT"/>
+              </a:rPr>
+              <a:t>10 </a:t>
+            </a:r>
+            <a:r>
+              <a:rPr dirty="0" sz="1100" spc="-95">
+                <a:latin typeface="Arial MT"/>
+                <a:cs typeface="Arial MT"/>
+              </a:rPr>
               <a:t>seconds</a:t>
             </a:r>
             <a:r>
-              <a:rPr dirty="0" sz="1100" spc="20"/>
-              <a:t> </a:t>
-            </a:r>
-            <a:r>
-              <a:rPr dirty="0" sz="1100"/>
+              <a:rPr dirty="0" sz="1100" spc="20">
+                <a:latin typeface="Arial MT"/>
+                <a:cs typeface="Arial MT"/>
+              </a:rPr>
+              <a:t> </a:t>
+            </a:r>
+            <a:r>
+              <a:rPr dirty="0" sz="1100">
+                <a:latin typeface="Arial MT"/>
+                <a:cs typeface="Arial MT"/>
+              </a:rPr>
               <a:t>of</a:t>
             </a:r>
             <a:r>
-              <a:rPr dirty="0" sz="1100" spc="-25"/>
-              <a:t> </a:t>
-            </a:r>
-            <a:r>
-              <a:rPr dirty="0" sz="1100" spc="-10"/>
+              <a:rPr dirty="0" sz="1100" spc="-25">
+                <a:latin typeface="Arial MT"/>
+                <a:cs typeface="Arial MT"/>
+              </a:rPr>
+              <a:t> </a:t>
+            </a:r>
+            <a:r>
+              <a:rPr dirty="0" sz="1100" spc="-10">
+                <a:latin typeface="Arial MT"/>
+                <a:cs typeface="Arial MT"/>
+              </a:rPr>
               <a:t>inactivity,</a:t>
             </a:r>
             <a:r>
-              <a:rPr dirty="0" sz="1100"/>
-              <a:t> </a:t>
-            </a:r>
-            <a:r>
-              <a:rPr dirty="0" sz="1100" spc="-25"/>
+              <a:rPr dirty="0" sz="1100">
+                <a:latin typeface="Arial MT"/>
+                <a:cs typeface="Arial MT"/>
+              </a:rPr>
+              <a:t> </a:t>
+            </a:r>
+            <a:r>
+              <a:rPr dirty="0" sz="1100" spc="-25">
+                <a:latin typeface="Arial MT"/>
+                <a:cs typeface="Arial MT"/>
+              </a:rPr>
               <a:t>minimizing</a:t>
             </a:r>
             <a:r>
-              <a:rPr dirty="0" sz="1100" spc="-5"/>
-              <a:t> </a:t>
-            </a:r>
-            <a:r>
-              <a:rPr dirty="0" sz="1100" spc="-40"/>
+              <a:rPr dirty="0" sz="1100" spc="-5">
+                <a:latin typeface="Arial MT"/>
+                <a:cs typeface="Arial MT"/>
+              </a:rPr>
+              <a:t> </a:t>
+            </a:r>
+            <a:r>
+              <a:rPr dirty="0" sz="1100" spc="-40">
+                <a:latin typeface="Arial MT"/>
+                <a:cs typeface="Arial MT"/>
+              </a:rPr>
               <a:t>manual</a:t>
             </a:r>
             <a:r>
-              <a:rPr dirty="0" sz="1100"/>
-              <a:t> </a:t>
-            </a:r>
-            <a:r>
-              <a:rPr dirty="0" sz="1100" spc="-10"/>
+              <a:rPr dirty="0" sz="1100">
+                <a:latin typeface="Arial MT"/>
+                <a:cs typeface="Arial MT"/>
+              </a:rPr>
+              <a:t> </a:t>
+            </a:r>
+            <a:r>
+              <a:rPr dirty="0" sz="1100" spc="-10">
+                <a:latin typeface="Arial MT"/>
+                <a:cs typeface="Arial MT"/>
+              </a:rPr>
               <a:t>effort.</a:t>
             </a:r>
             <a:endParaRPr sz="1100">
-              <a:latin typeface="Arial"/>
-              <a:cs typeface="Arial"/>
+              <a:latin typeface="Arial MT"/>
+              <a:cs typeface="Arial MT"/>
             </a:endParaRPr>
           </a:p>
           <a:p>
-            <a:pPr marL="214629" marR="30480" indent="-177165">
+            <a:pPr marL="327660" marR="30480" indent="-177165">
               <a:lnSpc>
                 <a:spcPct val="102600"/>
               </a:lnSpc>
               <a:spcBef>
-                <a:spcPts val="300"/>
+                <a:spcPts val="185"/>
               </a:spcBef>
               <a:buClr>
                 <a:srgbClr val="3333B2"/>
@@ -5707,7 +5629,7 @@
               <a:buFont typeface="Lucida Sans Unicode"/>
               <a:buChar char="►"/>
               <a:tabLst>
-                <a:tab pos="214629" algn="l"/>
+                <a:tab pos="327660" algn="l"/>
               </a:tabLst>
             </a:pPr>
             <a:r>
@@ -5753,105 +5675,171 @@
               <a:t> </a:t>
             </a:r>
             <a:r>
-              <a:rPr dirty="0" sz="1100"/>
+              <a:rPr dirty="0" sz="1100">
+                <a:latin typeface="Arial MT"/>
+                <a:cs typeface="Arial MT"/>
+              </a:rPr>
               <a:t>By</a:t>
             </a:r>
             <a:r>
-              <a:rPr dirty="0" sz="1100" spc="-20"/>
+              <a:rPr dirty="0" sz="1100" spc="-20">
+                <a:latin typeface="Arial MT"/>
+                <a:cs typeface="Arial MT"/>
+              </a:rPr>
               <a:t> activating </a:t>
             </a:r>
             <a:r>
-              <a:rPr dirty="0" sz="1100" spc="-10"/>
+              <a:rPr dirty="0" sz="1100" spc="-10">
+                <a:latin typeface="Arial MT"/>
+                <a:cs typeface="Arial MT"/>
+              </a:rPr>
               <a:t>lights</a:t>
             </a:r>
             <a:r>
-              <a:rPr dirty="0" sz="1100" spc="-20"/>
+              <a:rPr dirty="0" sz="1100" spc="-20">
+                <a:latin typeface="Arial MT"/>
+                <a:cs typeface="Arial MT"/>
+              </a:rPr>
               <a:t> only when </a:t>
             </a:r>
             <a:r>
-              <a:rPr dirty="0" sz="1100" spc="-80"/>
+              <a:rPr dirty="0" sz="1100" spc="-80">
+                <a:latin typeface="Arial MT"/>
+                <a:cs typeface="Arial MT"/>
+              </a:rPr>
               <a:t>needed,</a:t>
             </a:r>
             <a:r>
-              <a:rPr dirty="0" sz="1100" spc="10"/>
-              <a:t> </a:t>
-            </a:r>
-            <a:r>
-              <a:rPr dirty="0" sz="1100"/>
+              <a:rPr dirty="0" sz="1100" spc="10">
+                <a:latin typeface="Arial MT"/>
+                <a:cs typeface="Arial MT"/>
+              </a:rPr>
+              <a:t> </a:t>
+            </a:r>
+            <a:r>
+              <a:rPr dirty="0" sz="1100">
+                <a:latin typeface="Arial MT"/>
+                <a:cs typeface="Arial MT"/>
+              </a:rPr>
               <a:t>the</a:t>
             </a:r>
             <a:r>
-              <a:rPr dirty="0" sz="1100" spc="10"/>
-              <a:t> </a:t>
-            </a:r>
-            <a:r>
-              <a:rPr dirty="0" sz="1100" spc="-65"/>
+              <a:rPr dirty="0" sz="1100" spc="10">
+                <a:latin typeface="Arial MT"/>
+                <a:cs typeface="Arial MT"/>
+              </a:rPr>
+              <a:t> </a:t>
+            </a:r>
+            <a:r>
+              <a:rPr dirty="0" sz="1100" spc="-65">
+                <a:latin typeface="Arial MT"/>
+                <a:cs typeface="Arial MT"/>
+              </a:rPr>
               <a:t>system</a:t>
             </a:r>
             <a:r>
-              <a:rPr dirty="0" sz="1100" spc="10"/>
-              <a:t> </a:t>
-            </a:r>
-            <a:r>
-              <a:rPr dirty="0" sz="1100" spc="-60"/>
+              <a:rPr dirty="0" sz="1100" spc="10">
+                <a:latin typeface="Arial MT"/>
+                <a:cs typeface="Arial MT"/>
+              </a:rPr>
+              <a:t> </a:t>
+            </a:r>
+            <a:r>
+              <a:rPr dirty="0" sz="1100" spc="-60">
+                <a:latin typeface="Arial MT"/>
+                <a:cs typeface="Arial MT"/>
+              </a:rPr>
               <a:t>reduced</a:t>
             </a:r>
             <a:r>
-              <a:rPr dirty="0" sz="1100" spc="10"/>
-              <a:t> </a:t>
-            </a:r>
-            <a:r>
-              <a:rPr dirty="0" sz="1100" spc="-70"/>
+              <a:rPr dirty="0" sz="1100" spc="10">
+                <a:latin typeface="Arial MT"/>
+                <a:cs typeface="Arial MT"/>
+              </a:rPr>
+              <a:t> </a:t>
+            </a:r>
+            <a:r>
+              <a:rPr dirty="0" sz="1100" spc="-70">
+                <a:latin typeface="Arial MT"/>
+                <a:cs typeface="Arial MT"/>
+              </a:rPr>
               <a:t>energy</a:t>
             </a:r>
             <a:r>
-              <a:rPr dirty="0" sz="1100" spc="10"/>
-              <a:t> </a:t>
-            </a:r>
-            <a:r>
-              <a:rPr dirty="0" sz="1100" spc="-65"/>
+              <a:rPr dirty="0" sz="1100" spc="10">
+                <a:latin typeface="Arial MT"/>
+                <a:cs typeface="Arial MT"/>
+              </a:rPr>
+              <a:t> </a:t>
+            </a:r>
+            <a:r>
+              <a:rPr dirty="0" sz="1100" spc="-65">
+                <a:latin typeface="Arial MT"/>
+                <a:cs typeface="Arial MT"/>
+              </a:rPr>
               <a:t>waste</a:t>
             </a:r>
             <a:r>
-              <a:rPr dirty="0" sz="1100" spc="10"/>
-              <a:t> </a:t>
-            </a:r>
-            <a:r>
-              <a:rPr dirty="0" sz="1100" spc="-45"/>
+              <a:rPr dirty="0" sz="1100" spc="10">
+                <a:latin typeface="Arial MT"/>
+                <a:cs typeface="Arial MT"/>
+              </a:rPr>
+              <a:t> </a:t>
+            </a:r>
+            <a:r>
+              <a:rPr dirty="0" sz="1100" spc="-45">
+                <a:latin typeface="Arial MT"/>
+                <a:cs typeface="Arial MT"/>
+              </a:rPr>
               <a:t>and</a:t>
             </a:r>
             <a:r>
-              <a:rPr dirty="0" sz="1100" spc="10"/>
-              <a:t> </a:t>
-            </a:r>
-            <a:r>
-              <a:rPr dirty="0" sz="1100" spc="-45"/>
+              <a:rPr dirty="0" sz="1100" spc="10">
+                <a:latin typeface="Arial MT"/>
+                <a:cs typeface="Arial MT"/>
+              </a:rPr>
+              <a:t> </a:t>
+            </a:r>
+            <a:r>
+              <a:rPr dirty="0" sz="1100" spc="-45">
+                <a:latin typeface="Arial MT"/>
+                <a:cs typeface="Arial MT"/>
+              </a:rPr>
               <a:t>improved</a:t>
             </a:r>
             <a:r>
-              <a:rPr dirty="0" sz="1100" spc="10"/>
-              <a:t> </a:t>
-            </a:r>
-            <a:r>
-              <a:rPr dirty="0" sz="1100" spc="-25"/>
+              <a:rPr dirty="0" sz="1100" spc="10">
+                <a:latin typeface="Arial MT"/>
+                <a:cs typeface="Arial MT"/>
+              </a:rPr>
+              <a:t> </a:t>
+            </a:r>
+            <a:r>
+              <a:rPr dirty="0" sz="1100" spc="-25">
+                <a:latin typeface="Arial MT"/>
+                <a:cs typeface="Arial MT"/>
+              </a:rPr>
               <a:t>power </a:t>
             </a:r>
             <a:r>
-              <a:rPr dirty="0" sz="1100" spc="-10"/>
+              <a:rPr dirty="0" sz="1100" spc="-10">
+                <a:latin typeface="Arial MT"/>
+                <a:cs typeface="Arial MT"/>
+              </a:rPr>
               <a:t>efficiency.</a:t>
             </a:r>
             <a:endParaRPr sz="1100">
-              <a:latin typeface="Arial"/>
-              <a:cs typeface="Arial"/>
+              <a:latin typeface="Arial MT"/>
+              <a:cs typeface="Arial MT"/>
             </a:endParaRPr>
           </a:p>
           <a:p>
-            <a:pPr marL="214629" marR="30480" indent="-177165">
+            <a:pPr marL="327660" marR="30480" indent="-177165">
               <a:lnSpc>
                 <a:spcPct val="102600"/>
               </a:lnSpc>
               <a:spcBef>
-                <a:spcPts val="300"/>
+                <a:spcPts val="185"/>
               </a:spcBef>
               <a:buClr>
                 <a:srgbClr val="3333B2"/>
@@ -5859,7 +5847,7 @@
               <a:buFont typeface="Lucida Sans Unicode"/>
               <a:buChar char="►"/>
               <a:tabLst>
-                <a:tab pos="214629" algn="l"/>
+                <a:tab pos="327660" algn="l"/>
               </a:tabLst>
             </a:pPr>
             <a:r>
@@ -5905,120 +5893,671 @@
               <a:t> </a:t>
             </a:r>
             <a:r>
-              <a:rPr dirty="0" sz="1100" spc="-45"/>
+              <a:rPr dirty="0" sz="1100" spc="-45">
+                <a:latin typeface="Arial MT"/>
+                <a:cs typeface="Arial MT"/>
+              </a:rPr>
               <a:t>ThingSpeak</a:t>
             </a:r>
             <a:r>
-              <a:rPr dirty="0" sz="1100" spc="20"/>
-              <a:t> </a:t>
-            </a:r>
-            <a:r>
-              <a:rPr dirty="0" sz="1100" spc="-20"/>
+              <a:rPr dirty="0" sz="1100" spc="20">
+                <a:latin typeface="Arial MT"/>
+                <a:cs typeface="Arial MT"/>
+              </a:rPr>
+              <a:t> </a:t>
+            </a:r>
+            <a:r>
+              <a:rPr dirty="0" sz="1100" spc="-20">
+                <a:latin typeface="Arial MT"/>
+                <a:cs typeface="Arial MT"/>
+              </a:rPr>
               <a:t>integration</a:t>
             </a:r>
             <a:r>
-              <a:rPr dirty="0" sz="1100" spc="15"/>
-              <a:t> </a:t>
-            </a:r>
-            <a:r>
-              <a:rPr dirty="0" sz="1100" spc="-10"/>
+              <a:rPr dirty="0" sz="1100" spc="15">
+                <a:latin typeface="Arial MT"/>
+                <a:cs typeface="Arial MT"/>
+              </a:rPr>
+              <a:t> </a:t>
+            </a:r>
+            <a:r>
+              <a:rPr dirty="0" sz="1100" spc="-10">
+                <a:latin typeface="Arial MT"/>
+                <a:cs typeface="Arial MT"/>
+              </a:rPr>
               <a:t>provided </a:t>
             </a:r>
             <a:r>
-              <a:rPr dirty="0" sz="1100" spc="-40"/>
+              <a:rPr dirty="0" sz="1100" spc="-40">
+                <a:latin typeface="Arial MT"/>
+                <a:cs typeface="Arial MT"/>
+              </a:rPr>
               <a:t>real-</a:t>
             </a:r>
             <a:r>
-              <a:rPr dirty="0" sz="1100" spc="-10"/>
+              <a:rPr dirty="0" sz="1100" spc="-10">
+                <a:latin typeface="Arial MT"/>
+                <a:cs typeface="Arial MT"/>
+              </a:rPr>
               <a:t>time </a:t>
             </a:r>
             <a:r>
-              <a:rPr dirty="0" sz="1100" spc="-20"/>
+              <a:rPr dirty="0" sz="1100" spc="-20">
+                <a:latin typeface="Arial MT"/>
+                <a:cs typeface="Arial MT"/>
+              </a:rPr>
               <a:t>monitoring</a:t>
             </a:r>
             <a:r>
-              <a:rPr dirty="0" sz="1100" spc="-10"/>
-              <a:t> </a:t>
-            </a:r>
-            <a:r>
-              <a:rPr dirty="0" sz="1100"/>
+              <a:rPr dirty="0" sz="1100" spc="-10">
+                <a:latin typeface="Arial MT"/>
+                <a:cs typeface="Arial MT"/>
+              </a:rPr>
+              <a:t> </a:t>
+            </a:r>
+            <a:r>
+              <a:rPr dirty="0" sz="1100">
+                <a:latin typeface="Arial MT"/>
+                <a:cs typeface="Arial MT"/>
+              </a:rPr>
               <a:t>of</a:t>
             </a:r>
             <a:r>
-              <a:rPr dirty="0" sz="1100" spc="-5"/>
-              <a:t> </a:t>
-            </a:r>
-            <a:r>
-              <a:rPr dirty="0" sz="1100" spc="-10"/>
+              <a:rPr dirty="0" sz="1100" spc="-5">
+                <a:latin typeface="Arial MT"/>
+                <a:cs typeface="Arial MT"/>
+              </a:rPr>
+              <a:t> </a:t>
+            </a:r>
+            <a:r>
+              <a:rPr dirty="0" sz="1100" spc="-10">
+                <a:latin typeface="Arial MT"/>
+                <a:cs typeface="Arial MT"/>
+              </a:rPr>
               <a:t>motion count,</a:t>
             </a:r>
             <a:r>
-              <a:rPr dirty="0" sz="1100" spc="-5"/>
-              <a:t> </a:t>
-            </a:r>
-            <a:r>
-              <a:rPr dirty="0" sz="1100"/>
+              <a:rPr dirty="0" sz="1100" spc="-5">
+                <a:latin typeface="Arial MT"/>
+                <a:cs typeface="Arial MT"/>
+              </a:rPr>
+              <a:t> </a:t>
+            </a:r>
+            <a:r>
+              <a:rPr dirty="0" sz="1100">
+                <a:latin typeface="Arial MT"/>
+                <a:cs typeface="Arial MT"/>
+              </a:rPr>
               <a:t>light</a:t>
             </a:r>
             <a:r>
-              <a:rPr dirty="0" sz="1100" spc="-10"/>
-              <a:t> </a:t>
-            </a:r>
-            <a:r>
-              <a:rPr dirty="0" sz="1100" spc="-20"/>
+              <a:rPr dirty="0" sz="1100" spc="-10">
+                <a:latin typeface="Arial MT"/>
+                <a:cs typeface="Arial MT"/>
+              </a:rPr>
+              <a:t> </a:t>
+            </a:r>
+            <a:r>
+              <a:rPr dirty="0" sz="1100" spc="-20">
+                <a:latin typeface="Arial MT"/>
+                <a:cs typeface="Arial MT"/>
+              </a:rPr>
               <a:t>status,</a:t>
             </a:r>
             <a:r>
-              <a:rPr dirty="0" sz="1100" spc="-5"/>
-              <a:t> </a:t>
-            </a:r>
-            <a:r>
-              <a:rPr dirty="0" sz="1100" spc="-45"/>
+              <a:rPr dirty="0" sz="1100" spc="-5">
+                <a:latin typeface="Arial MT"/>
+                <a:cs typeface="Arial MT"/>
+              </a:rPr>
+              <a:t> </a:t>
+            </a:r>
+            <a:r>
+              <a:rPr dirty="0" sz="1100" spc="-45">
+                <a:latin typeface="Arial MT"/>
+                <a:cs typeface="Arial MT"/>
+              </a:rPr>
               <a:t>and</a:t>
             </a:r>
             <a:r>
-              <a:rPr dirty="0" sz="1100" spc="-10"/>
-              <a:t> </a:t>
-            </a:r>
-            <a:r>
-              <a:rPr dirty="0" sz="1100" spc="-45"/>
-              <a:t>energy </a:t>
-            </a:r>
-            <a:r>
-              <a:rPr dirty="0" sz="1100" spc="-40"/>
-              <a:t>consumption</a:t>
-            </a:r>
-            <a:r>
-              <a:rPr dirty="0" sz="1100" spc="-5"/>
-              <a:t> </a:t>
-            </a:r>
-            <a:r>
-              <a:rPr dirty="0" sz="1100"/>
+              <a:rPr dirty="0" sz="1100" spc="-10">
+                <a:latin typeface="Arial MT"/>
+                <a:cs typeface="Arial MT"/>
+              </a:rPr>
+              <a:t> </a:t>
+            </a:r>
+            <a:r>
+              <a:rPr dirty="0" sz="1100" spc="-40">
+                <a:latin typeface="Arial MT"/>
+                <a:cs typeface="Arial MT"/>
+              </a:rPr>
+              <a:t>energy consumption</a:t>
+            </a:r>
+            <a:r>
+              <a:rPr dirty="0" sz="1100" spc="-5">
+                <a:latin typeface="Arial MT"/>
+                <a:cs typeface="Arial MT"/>
+              </a:rPr>
+              <a:t> </a:t>
+            </a:r>
+            <a:r>
+              <a:rPr dirty="0" sz="1100">
+                <a:latin typeface="Arial MT"/>
+                <a:cs typeface="Arial MT"/>
+              </a:rPr>
               <a:t>for better </a:t>
             </a:r>
             <a:r>
-              <a:rPr dirty="0" sz="1100" spc="-70"/>
+              <a:rPr dirty="0" sz="1100" spc="-70">
+                <a:latin typeface="Arial MT"/>
+                <a:cs typeface="Arial MT"/>
+              </a:rPr>
               <a:t>analysis</a:t>
             </a:r>
             <a:r>
-              <a:rPr dirty="0" sz="1100"/>
-              <a:t> </a:t>
-            </a:r>
-            <a:r>
-              <a:rPr dirty="0" sz="1100" spc="-45"/>
+              <a:rPr dirty="0" sz="1100">
+                <a:latin typeface="Arial MT"/>
+                <a:cs typeface="Arial MT"/>
+              </a:rPr>
+              <a:t> </a:t>
+            </a:r>
+            <a:r>
+              <a:rPr dirty="0" sz="1100" spc="-45">
+                <a:latin typeface="Arial MT"/>
+                <a:cs typeface="Arial MT"/>
+              </a:rPr>
               <a:t>and</a:t>
             </a:r>
             <a:r>
-              <a:rPr dirty="0" sz="1100"/>
-              <a:t> </a:t>
-            </a:r>
-            <a:r>
-              <a:rPr dirty="0" sz="1100" spc="-10"/>
+              <a:rPr dirty="0" sz="1100">
+                <a:latin typeface="Arial MT"/>
+                <a:cs typeface="Arial MT"/>
+              </a:rPr>
+              <a:t> </a:t>
+            </a:r>
+            <a:r>
+              <a:rPr dirty="0" sz="1100" spc="-10">
+                <a:latin typeface="Arial MT"/>
+                <a:cs typeface="Arial MT"/>
+              </a:rPr>
               <a:t>optimization.</a:t>
+            </a:r>
+            <a:endParaRPr sz="1100">
+              <a:latin typeface="Arial MT"/>
+              <a:cs typeface="Arial MT"/>
+            </a:endParaRPr>
+          </a:p>
+          <a:p>
+            <a:pPr>
+              <a:lnSpc>
+                <a:spcPct val="100000"/>
+              </a:lnSpc>
+              <a:spcBef>
+                <a:spcPts val="65"/>
+              </a:spcBef>
+              <a:buClr>
+                <a:srgbClr val="3333B2"/>
+              </a:buClr>
+              <a:buFont typeface="Lucida Sans Unicode"/>
+              <a:buChar char="►"/>
+            </a:pPr>
+            <a:endParaRPr sz="1100">
+              <a:latin typeface="Arial MT"/>
+              <a:cs typeface="Arial MT"/>
+            </a:endParaRPr>
+          </a:p>
+          <a:p>
+            <a:pPr marL="50800">
+              <a:lnSpc>
+                <a:spcPct val="100000"/>
+              </a:lnSpc>
+            </a:pPr>
+            <a:r>
+              <a:rPr dirty="0" sz="1100" spc="-10" b="1">
+                <a:latin typeface="Arial"/>
+                <a:cs typeface="Arial"/>
+              </a:rPr>
+              <a:t>Contributions:</a:t>
             </a:r>
             <a:endParaRPr sz="1100">
               <a:latin typeface="Arial"/>
               <a:cs typeface="Arial"/>
+            </a:endParaRPr>
+          </a:p>
+          <a:p>
+            <a:pPr marL="327660" marR="496570" indent="-177165">
+              <a:lnSpc>
+                <a:spcPct val="102600"/>
+              </a:lnSpc>
+              <a:spcBef>
+                <a:spcPts val="204"/>
+              </a:spcBef>
+              <a:buClr>
+                <a:srgbClr val="3333B2"/>
+              </a:buClr>
+              <a:buFont typeface="Lucida Sans Unicode"/>
+              <a:buChar char="►"/>
+              <a:tabLst>
+                <a:tab pos="327660" algn="l"/>
+              </a:tabLst>
+            </a:pPr>
+            <a:r>
+              <a:rPr dirty="0" sz="1100" spc="-35" b="1">
+                <a:latin typeface="Arial"/>
+                <a:cs typeface="Arial"/>
+              </a:rPr>
+              <a:t>Naimisha</a:t>
+            </a:r>
+            <a:r>
+              <a:rPr dirty="0" sz="1100" spc="5" b="1">
+                <a:latin typeface="Arial"/>
+                <a:cs typeface="Arial"/>
+              </a:rPr>
+              <a:t> </a:t>
+            </a:r>
+            <a:r>
+              <a:rPr dirty="0" sz="1100" spc="-40" b="1">
+                <a:latin typeface="Arial"/>
+                <a:cs typeface="Arial"/>
+              </a:rPr>
+              <a:t>Girish:</a:t>
+            </a:r>
+            <a:r>
+              <a:rPr dirty="0" sz="1100" spc="80" b="1">
+                <a:latin typeface="Arial"/>
+                <a:cs typeface="Arial"/>
+              </a:rPr>
+              <a:t> </a:t>
+            </a:r>
+            <a:r>
+              <a:rPr dirty="0" sz="1100" spc="-35">
+                <a:latin typeface="Arial MT"/>
+                <a:cs typeface="Arial MT"/>
+              </a:rPr>
+              <a:t>Set</a:t>
+            </a:r>
+            <a:r>
+              <a:rPr dirty="0" sz="1100" spc="-20">
+                <a:latin typeface="Arial MT"/>
+                <a:cs typeface="Arial MT"/>
+              </a:rPr>
+              <a:t> </a:t>
+            </a:r>
+            <a:r>
+              <a:rPr dirty="0" sz="1100">
+                <a:latin typeface="Arial MT"/>
+                <a:cs typeface="Arial MT"/>
+              </a:rPr>
+              <a:t>up</a:t>
+            </a:r>
+            <a:r>
+              <a:rPr dirty="0" sz="1100" spc="-20">
+                <a:latin typeface="Arial MT"/>
+                <a:cs typeface="Arial MT"/>
+              </a:rPr>
+              <a:t> </a:t>
+            </a:r>
+            <a:r>
+              <a:rPr dirty="0" sz="1100" spc="-45">
+                <a:latin typeface="Arial MT"/>
+                <a:cs typeface="Arial MT"/>
+              </a:rPr>
+              <a:t>ThingSpeak</a:t>
+            </a:r>
+            <a:r>
+              <a:rPr dirty="0" sz="1100" spc="-20">
+                <a:latin typeface="Arial MT"/>
+                <a:cs typeface="Arial MT"/>
+              </a:rPr>
+              <a:t> integration</a:t>
+            </a:r>
+            <a:r>
+              <a:rPr dirty="0" sz="1100" spc="-15">
+                <a:latin typeface="Arial MT"/>
+                <a:cs typeface="Arial MT"/>
+              </a:rPr>
+              <a:t> </a:t>
+            </a:r>
+            <a:r>
+              <a:rPr dirty="0" sz="1100" spc="-25">
+                <a:latin typeface="Arial MT"/>
+                <a:cs typeface="Arial MT"/>
+              </a:rPr>
+              <a:t>and </a:t>
+            </a:r>
+            <a:r>
+              <a:rPr dirty="0" sz="1100" spc="-50">
+                <a:latin typeface="Arial MT"/>
+                <a:cs typeface="Arial MT"/>
+              </a:rPr>
+              <a:t>implemented</a:t>
+            </a:r>
+            <a:r>
+              <a:rPr dirty="0" sz="1100" spc="35">
+                <a:latin typeface="Arial MT"/>
+                <a:cs typeface="Arial MT"/>
+              </a:rPr>
+              <a:t> </a:t>
+            </a:r>
+            <a:r>
+              <a:rPr dirty="0" sz="1100" spc="-70">
+                <a:latin typeface="Arial MT"/>
+                <a:cs typeface="Arial MT"/>
+              </a:rPr>
+              <a:t>energy</a:t>
+            </a:r>
+            <a:r>
+              <a:rPr dirty="0" sz="1100" spc="40">
+                <a:latin typeface="Arial MT"/>
+                <a:cs typeface="Arial MT"/>
+              </a:rPr>
+              <a:t> </a:t>
+            </a:r>
+            <a:r>
+              <a:rPr dirty="0" sz="1100" spc="-10">
+                <a:latin typeface="Arial MT"/>
+                <a:cs typeface="Arial MT"/>
+              </a:rPr>
+              <a:t>tracking.</a:t>
+            </a:r>
+            <a:endParaRPr sz="1100">
+              <a:latin typeface="Arial MT"/>
+              <a:cs typeface="Arial MT"/>
+            </a:endParaRPr>
+          </a:p>
+          <a:p>
+            <a:pPr marL="327660" marR="92075" indent="-177165">
+              <a:lnSpc>
+                <a:spcPct val="102600"/>
+              </a:lnSpc>
+              <a:spcBef>
+                <a:spcPts val="185"/>
+              </a:spcBef>
+              <a:buClr>
+                <a:srgbClr val="3333B2"/>
+              </a:buClr>
+              <a:buFont typeface="Lucida Sans Unicode"/>
+              <a:buChar char="►"/>
+              <a:tabLst>
+                <a:tab pos="327660" algn="l"/>
+              </a:tabLst>
+            </a:pPr>
+            <a:r>
+              <a:rPr dirty="0" sz="1100" b="1">
+                <a:latin typeface="Arial"/>
+                <a:cs typeface="Arial"/>
+              </a:rPr>
+              <a:t>Diya</a:t>
+            </a:r>
+            <a:r>
+              <a:rPr dirty="0" sz="1100" spc="-25" b="1">
+                <a:latin typeface="Arial"/>
+                <a:cs typeface="Arial"/>
+              </a:rPr>
+              <a:t> </a:t>
+            </a:r>
+            <a:r>
+              <a:rPr dirty="0" sz="1100" b="1">
+                <a:latin typeface="Arial"/>
+                <a:cs typeface="Arial"/>
+              </a:rPr>
+              <a:t>Kevat:</a:t>
+            </a:r>
+            <a:r>
+              <a:rPr dirty="0" sz="1100" spc="65" b="1">
+                <a:latin typeface="Arial"/>
+                <a:cs typeface="Arial"/>
+              </a:rPr>
+              <a:t> </a:t>
+            </a:r>
+            <a:r>
+              <a:rPr dirty="0" sz="1100" spc="-60">
+                <a:latin typeface="Arial MT"/>
+                <a:cs typeface="Arial MT"/>
+              </a:rPr>
+              <a:t>Developed</a:t>
+            </a:r>
+            <a:r>
+              <a:rPr dirty="0" sz="1100" spc="-15">
+                <a:latin typeface="Arial MT"/>
+                <a:cs typeface="Arial MT"/>
+              </a:rPr>
+              <a:t> </a:t>
+            </a:r>
+            <a:r>
+              <a:rPr dirty="0" sz="1100">
+                <a:latin typeface="Arial MT"/>
+                <a:cs typeface="Arial MT"/>
+              </a:rPr>
+              <a:t>the</a:t>
+            </a:r>
+            <a:r>
+              <a:rPr dirty="0" sz="1100" spc="-20">
+                <a:latin typeface="Arial MT"/>
+                <a:cs typeface="Arial MT"/>
+              </a:rPr>
+              <a:t> </a:t>
+            </a:r>
+            <a:r>
+              <a:rPr dirty="0" sz="1100" spc="-75">
+                <a:latin typeface="Arial MT"/>
+                <a:cs typeface="Arial MT"/>
+              </a:rPr>
+              <a:t>ESP32</a:t>
+            </a:r>
+            <a:r>
+              <a:rPr dirty="0" sz="1100">
+                <a:latin typeface="Arial MT"/>
+                <a:cs typeface="Arial MT"/>
+              </a:rPr>
+              <a:t> </a:t>
+            </a:r>
+            <a:r>
+              <a:rPr dirty="0" sz="1100" spc="-10">
+                <a:latin typeface="Arial MT"/>
+                <a:cs typeface="Arial MT"/>
+              </a:rPr>
+              <a:t>control</a:t>
+            </a:r>
+            <a:r>
+              <a:rPr dirty="0" sz="1100" spc="-25">
+                <a:latin typeface="Arial MT"/>
+                <a:cs typeface="Arial MT"/>
+              </a:rPr>
+              <a:t> </a:t>
+            </a:r>
+            <a:r>
+              <a:rPr dirty="0" sz="1100" spc="-20">
+                <a:latin typeface="Arial MT"/>
+                <a:cs typeface="Arial MT"/>
+              </a:rPr>
+              <a:t>logic </a:t>
+            </a:r>
+            <a:r>
+              <a:rPr dirty="0" sz="1100" spc="-45">
+                <a:latin typeface="Arial MT"/>
+                <a:cs typeface="Arial MT"/>
+              </a:rPr>
+              <a:t>and</a:t>
+            </a:r>
+            <a:r>
+              <a:rPr dirty="0" sz="1100" spc="-25">
+                <a:latin typeface="Arial MT"/>
+                <a:cs typeface="Arial MT"/>
+              </a:rPr>
+              <a:t> </a:t>
+            </a:r>
+            <a:r>
+              <a:rPr dirty="0" sz="1100" spc="-10">
+                <a:latin typeface="Arial MT"/>
+                <a:cs typeface="Arial MT"/>
+              </a:rPr>
+              <a:t>motion </a:t>
+            </a:r>
+            <a:r>
+              <a:rPr dirty="0" sz="1100" spc="-30">
+                <a:latin typeface="Arial MT"/>
+                <a:cs typeface="Arial MT"/>
+              </a:rPr>
+              <a:t>detection</a:t>
+            </a:r>
+            <a:r>
+              <a:rPr dirty="0" sz="1100" spc="10">
+                <a:latin typeface="Arial MT"/>
+                <a:cs typeface="Arial MT"/>
+              </a:rPr>
+              <a:t> </a:t>
+            </a:r>
+            <a:r>
+              <a:rPr dirty="0" sz="1100" spc="-10">
+                <a:latin typeface="Arial MT"/>
+                <a:cs typeface="Arial MT"/>
+              </a:rPr>
+              <a:t>system.</a:t>
+            </a:r>
+            <a:endParaRPr sz="1100">
+              <a:latin typeface="Arial MT"/>
+              <a:cs typeface="Arial MT"/>
+            </a:endParaRPr>
+          </a:p>
+          <a:p>
+            <a:pPr marL="327660" marR="462915" indent="-177165">
+              <a:lnSpc>
+                <a:spcPct val="102699"/>
+              </a:lnSpc>
+              <a:spcBef>
+                <a:spcPts val="185"/>
+              </a:spcBef>
+              <a:buClr>
+                <a:srgbClr val="3333B2"/>
+              </a:buClr>
+              <a:buFont typeface="Lucida Sans Unicode"/>
+              <a:buChar char="►"/>
+              <a:tabLst>
+                <a:tab pos="327660" algn="l"/>
+              </a:tabLst>
+            </a:pPr>
+            <a:r>
+              <a:rPr dirty="0" sz="1100" spc="-45" b="1">
+                <a:latin typeface="Arial"/>
+                <a:cs typeface="Arial"/>
+              </a:rPr>
+              <a:t>Vaishnavi</a:t>
+            </a:r>
+            <a:r>
+              <a:rPr dirty="0" sz="1100" spc="30" b="1">
+                <a:latin typeface="Arial"/>
+                <a:cs typeface="Arial"/>
+              </a:rPr>
+              <a:t> </a:t>
+            </a:r>
+            <a:r>
+              <a:rPr dirty="0" sz="1100" spc="-20" b="1">
+                <a:latin typeface="Arial"/>
+                <a:cs typeface="Arial"/>
+              </a:rPr>
+              <a:t>Nambiar:</a:t>
+            </a:r>
+            <a:r>
+              <a:rPr dirty="0" sz="1100" spc="95" b="1">
+                <a:latin typeface="Arial"/>
+                <a:cs typeface="Arial"/>
+              </a:rPr>
+              <a:t> </a:t>
+            </a:r>
+            <a:r>
+              <a:rPr dirty="0" sz="1100" spc="-55">
+                <a:latin typeface="Arial MT"/>
+                <a:cs typeface="Arial MT"/>
+              </a:rPr>
+              <a:t>Managed</a:t>
+            </a:r>
+            <a:r>
+              <a:rPr dirty="0" sz="1100" spc="-5">
+                <a:latin typeface="Arial MT"/>
+                <a:cs typeface="Arial MT"/>
+              </a:rPr>
+              <a:t> </a:t>
+            </a:r>
+            <a:r>
+              <a:rPr dirty="0" sz="1100" spc="-70">
+                <a:latin typeface="Arial MT"/>
+                <a:cs typeface="Arial MT"/>
+              </a:rPr>
+              <a:t>hardware</a:t>
+            </a:r>
+            <a:r>
+              <a:rPr dirty="0" sz="1100">
+                <a:latin typeface="Arial MT"/>
+                <a:cs typeface="Arial MT"/>
+              </a:rPr>
+              <a:t> </a:t>
+            </a:r>
+            <a:r>
+              <a:rPr dirty="0" sz="1100" spc="-30">
+                <a:latin typeface="Arial MT"/>
+                <a:cs typeface="Arial MT"/>
+              </a:rPr>
+              <a:t>setup,</a:t>
+            </a:r>
+            <a:r>
+              <a:rPr dirty="0" sz="1100">
+                <a:latin typeface="Arial MT"/>
+                <a:cs typeface="Arial MT"/>
+              </a:rPr>
+              <a:t> </a:t>
+            </a:r>
+            <a:r>
+              <a:rPr dirty="0" sz="1100" spc="-70">
+                <a:latin typeface="Arial MT"/>
+                <a:cs typeface="Arial MT"/>
+              </a:rPr>
+              <a:t>sensor </a:t>
+            </a:r>
+            <a:r>
+              <a:rPr dirty="0" sz="1100" spc="-25">
+                <a:latin typeface="Arial MT"/>
+                <a:cs typeface="Arial MT"/>
+              </a:rPr>
+              <a:t>calibration,</a:t>
+            </a:r>
+            <a:r>
+              <a:rPr dirty="0" sz="1100" spc="-10">
+                <a:latin typeface="Arial MT"/>
+                <a:cs typeface="Arial MT"/>
+              </a:rPr>
+              <a:t> data </a:t>
+            </a:r>
+            <a:r>
+              <a:rPr dirty="0" sz="1100" spc="-55">
+                <a:latin typeface="Arial MT"/>
+                <a:cs typeface="Arial MT"/>
+              </a:rPr>
+              <a:t>analysis,</a:t>
+            </a:r>
+            <a:r>
+              <a:rPr dirty="0" sz="1100" spc="-5">
+                <a:latin typeface="Arial MT"/>
+                <a:cs typeface="Arial MT"/>
+              </a:rPr>
+              <a:t> </a:t>
+            </a:r>
+            <a:r>
+              <a:rPr dirty="0" sz="1100" spc="-45">
+                <a:latin typeface="Arial MT"/>
+                <a:cs typeface="Arial MT"/>
+              </a:rPr>
+              <a:t>and</a:t>
+            </a:r>
+            <a:r>
+              <a:rPr dirty="0" sz="1100" spc="-10">
+                <a:latin typeface="Arial MT"/>
+                <a:cs typeface="Arial MT"/>
+              </a:rPr>
+              <a:t> documentation.</a:t>
+            </a:r>
+            <a:endParaRPr sz="1100">
+              <a:latin typeface="Arial MT"/>
+              <a:cs typeface="Arial MT"/>
             </a:endParaRPr>
           </a:p>
         </p:txBody>
